--- a/javascript/2주차 자료/2주차.pptx
+++ b/javascript/2주차 자료/2주차.pptx
@@ -348,7 +348,7 @@
           <a:p>
             <a:fld id="{85418FE3-18A8-41B3-993C-7D5C860FC228}" type="datetimeFigureOut">
               <a:rPr lang="ko-KR" altLang="en-US" smtClean="0"/>
-              <a:t>2021-02-04</a:t>
+              <a:t>2021-02-09</a:t>
             </a:fld>
             <a:endParaRPr lang="ko-KR" altLang="en-US" dirty="0"/>
           </a:p>
@@ -518,7 +518,7 @@
           <a:p>
             <a:fld id="{85418FE3-18A8-41B3-993C-7D5C860FC228}" type="datetimeFigureOut">
               <a:rPr lang="ko-KR" altLang="en-US" smtClean="0"/>
-              <a:t>2021-02-04</a:t>
+              <a:t>2021-02-09</a:t>
             </a:fld>
             <a:endParaRPr lang="ko-KR" altLang="en-US" dirty="0"/>
           </a:p>
@@ -698,7 +698,7 @@
           <a:p>
             <a:fld id="{85418FE3-18A8-41B3-993C-7D5C860FC228}" type="datetimeFigureOut">
               <a:rPr lang="ko-KR" altLang="en-US" smtClean="0"/>
-              <a:t>2021-02-04</a:t>
+              <a:t>2021-02-09</a:t>
             </a:fld>
             <a:endParaRPr lang="ko-KR" altLang="en-US" dirty="0"/>
           </a:p>
@@ -868,7 +868,7 @@
           <a:p>
             <a:fld id="{85418FE3-18A8-41B3-993C-7D5C860FC228}" type="datetimeFigureOut">
               <a:rPr lang="ko-KR" altLang="en-US" smtClean="0"/>
-              <a:t>2021-02-04</a:t>
+              <a:t>2021-02-09</a:t>
             </a:fld>
             <a:endParaRPr lang="ko-KR" altLang="en-US" dirty="0"/>
           </a:p>
@@ -1114,7 +1114,7 @@
           <a:p>
             <a:fld id="{85418FE3-18A8-41B3-993C-7D5C860FC228}" type="datetimeFigureOut">
               <a:rPr lang="ko-KR" altLang="en-US" smtClean="0"/>
-              <a:t>2021-02-04</a:t>
+              <a:t>2021-02-09</a:t>
             </a:fld>
             <a:endParaRPr lang="ko-KR" altLang="en-US" dirty="0"/>
           </a:p>
@@ -1346,7 +1346,7 @@
           <a:p>
             <a:fld id="{85418FE3-18A8-41B3-993C-7D5C860FC228}" type="datetimeFigureOut">
               <a:rPr lang="ko-KR" altLang="en-US" smtClean="0"/>
-              <a:t>2021-02-04</a:t>
+              <a:t>2021-02-09</a:t>
             </a:fld>
             <a:endParaRPr lang="ko-KR" altLang="en-US" dirty="0"/>
           </a:p>
@@ -1713,7 +1713,7 @@
           <a:p>
             <a:fld id="{85418FE3-18A8-41B3-993C-7D5C860FC228}" type="datetimeFigureOut">
               <a:rPr lang="ko-KR" altLang="en-US" smtClean="0"/>
-              <a:t>2021-02-04</a:t>
+              <a:t>2021-02-09</a:t>
             </a:fld>
             <a:endParaRPr lang="ko-KR" altLang="en-US" dirty="0"/>
           </a:p>
@@ -1831,7 +1831,7 @@
           <a:p>
             <a:fld id="{85418FE3-18A8-41B3-993C-7D5C860FC228}" type="datetimeFigureOut">
               <a:rPr lang="ko-KR" altLang="en-US" smtClean="0"/>
-              <a:t>2021-02-04</a:t>
+              <a:t>2021-02-09</a:t>
             </a:fld>
             <a:endParaRPr lang="ko-KR" altLang="en-US" dirty="0"/>
           </a:p>
@@ -1926,7 +1926,7 @@
           <a:p>
             <a:fld id="{85418FE3-18A8-41B3-993C-7D5C860FC228}" type="datetimeFigureOut">
               <a:rPr lang="ko-KR" altLang="en-US" smtClean="0"/>
-              <a:t>2021-02-04</a:t>
+              <a:t>2021-02-09</a:t>
             </a:fld>
             <a:endParaRPr lang="ko-KR" altLang="en-US" dirty="0"/>
           </a:p>
@@ -2203,7 +2203,7 @@
           <a:p>
             <a:fld id="{85418FE3-18A8-41B3-993C-7D5C860FC228}" type="datetimeFigureOut">
               <a:rPr lang="ko-KR" altLang="en-US" smtClean="0"/>
-              <a:t>2021-02-04</a:t>
+              <a:t>2021-02-09</a:t>
             </a:fld>
             <a:endParaRPr lang="ko-KR" altLang="en-US" dirty="0"/>
           </a:p>
@@ -2456,7 +2456,7 @@
           <a:p>
             <a:fld id="{85418FE3-18A8-41B3-993C-7D5C860FC228}" type="datetimeFigureOut">
               <a:rPr lang="ko-KR" altLang="en-US" smtClean="0"/>
-              <a:t>2021-02-04</a:t>
+              <a:t>2021-02-09</a:t>
             </a:fld>
             <a:endParaRPr lang="ko-KR" altLang="en-US" dirty="0"/>
           </a:p>
@@ -2669,7 +2669,7 @@
           <a:p>
             <a:fld id="{85418FE3-18A8-41B3-993C-7D5C860FC228}" type="datetimeFigureOut">
               <a:rPr lang="ko-KR" altLang="en-US" smtClean="0"/>
-              <a:t>2021-02-04</a:t>
+              <a:t>2021-02-09</a:t>
             </a:fld>
             <a:endParaRPr lang="ko-KR" altLang="en-US" dirty="0"/>
           </a:p>
@@ -3135,6 +3135,25 @@
               <a:rPr lang="ko-KR" altLang="en-US" dirty="0" smtClean="0"/>
               <a:t>주차</a:t>
             </a:r>
+            <a:endParaRPr lang="en-US" altLang="ko-KR" dirty="0" smtClean="0"/>
+          </a:p>
+          <a:p>
+            <a:r>
+              <a:rPr lang="en-US" altLang="ko-KR" dirty="0" smtClean="0"/>
+              <a:t>Part1 – </a:t>
+            </a:r>
+            <a:r>
+              <a:rPr lang="ko-KR" altLang="en-US" dirty="0" smtClean="0"/>
+              <a:t>강제 변환</a:t>
+            </a:r>
+            <a:r>
+              <a:rPr lang="en-US" altLang="ko-KR" dirty="0" smtClean="0"/>
+              <a:t>, </a:t>
+            </a:r>
+            <a:r>
+              <a:rPr lang="ko-KR" altLang="en-US" dirty="0" smtClean="0"/>
+              <a:t>문법</a:t>
+            </a:r>
             <a:endParaRPr lang="ko-KR" altLang="en-US" dirty="0"/>
           </a:p>
         </p:txBody>
@@ -12824,11 +12843,7 @@
             </a:r>
             <a:r>
               <a:rPr lang="en-US" altLang="ko-KR" sz="3600" dirty="0" smtClean="0"/>
-              <a:t>– </a:t>
-            </a:r>
-            <a:r>
-              <a:rPr lang="en-US" altLang="ko-KR" sz="3600" dirty="0" smtClean="0"/>
-              <a:t>try … finally</a:t>
+              <a:t>– try … finally</a:t>
             </a:r>
             <a:endParaRPr lang="ko-KR" altLang="en-US" sz="3600" dirty="0"/>
           </a:p>
@@ -12973,11 +12988,7 @@
             </a:r>
             <a:r>
               <a:rPr lang="en-US" altLang="ko-KR" sz="3600" dirty="0" smtClean="0"/>
-              <a:t>– </a:t>
-            </a:r>
-            <a:r>
-              <a:rPr lang="en-US" altLang="ko-KR" sz="3600" dirty="0" smtClean="0"/>
-              <a:t>try … finally</a:t>
+              <a:t>– try … finally</a:t>
             </a:r>
             <a:endParaRPr lang="ko-KR" altLang="en-US" sz="3600" dirty="0"/>
           </a:p>
@@ -13228,11 +13239,7 @@
             </a:r>
             <a:r>
               <a:rPr lang="en-US" altLang="ko-KR" sz="3600" dirty="0" smtClean="0"/>
-              <a:t>– </a:t>
-            </a:r>
-            <a:r>
-              <a:rPr lang="en-US" altLang="ko-KR" sz="3600" dirty="0" smtClean="0"/>
-              <a:t>try … finally</a:t>
+              <a:t>– try … finally</a:t>
             </a:r>
             <a:endParaRPr lang="ko-KR" altLang="en-US" sz="3600" dirty="0"/>
           </a:p>
@@ -13377,11 +13384,7 @@
             </a:r>
             <a:r>
               <a:rPr lang="en-US" altLang="ko-KR" sz="3600" dirty="0" smtClean="0"/>
-              <a:t>– </a:t>
-            </a:r>
-            <a:r>
-              <a:rPr lang="en-US" altLang="ko-KR" sz="3600" dirty="0" smtClean="0"/>
-              <a:t>try … finally</a:t>
+              <a:t>– try … finally</a:t>
             </a:r>
             <a:endParaRPr lang="ko-KR" altLang="en-US" sz="3600" dirty="0"/>
           </a:p>
@@ -13643,11 +13646,7 @@
             </a:r>
             <a:r>
               <a:rPr lang="en-US" altLang="ko-KR" sz="3600" dirty="0" smtClean="0"/>
-              <a:t>– </a:t>
-            </a:r>
-            <a:r>
-              <a:rPr lang="en-US" altLang="ko-KR" sz="3600" dirty="0" smtClean="0"/>
-              <a:t>try … finally</a:t>
+              <a:t>– try … finally</a:t>
             </a:r>
             <a:endParaRPr lang="ko-KR" altLang="en-US" sz="3600" dirty="0"/>
           </a:p>
@@ -13925,11 +13924,7 @@
             </a:r>
             <a:r>
               <a:rPr lang="en-US" altLang="ko-KR" sz="3600" dirty="0" smtClean="0"/>
-              <a:t>– </a:t>
-            </a:r>
-            <a:r>
-              <a:rPr lang="en-US" altLang="ko-KR" sz="3600" dirty="0" smtClean="0"/>
-              <a:t>switch</a:t>
+              <a:t>– switch</a:t>
             </a:r>
             <a:endParaRPr lang="ko-KR" altLang="en-US" sz="3600" dirty="0"/>
           </a:p>
@@ -14125,11 +14120,7 @@
             </a:r>
             <a:r>
               <a:rPr lang="en-US" altLang="ko-KR" sz="3600" dirty="0" smtClean="0"/>
-              <a:t>– </a:t>
-            </a:r>
-            <a:r>
-              <a:rPr lang="en-US" altLang="ko-KR" sz="3600" dirty="0" smtClean="0"/>
-              <a:t>switch</a:t>
+              <a:t>– switch</a:t>
             </a:r>
             <a:endParaRPr lang="ko-KR" altLang="en-US" sz="3600" dirty="0"/>
           </a:p>
@@ -14325,11 +14316,7 @@
             </a:r>
             <a:r>
               <a:rPr lang="en-US" altLang="ko-KR" sz="3600" dirty="0" smtClean="0"/>
-              <a:t>– </a:t>
-            </a:r>
-            <a:r>
-              <a:rPr lang="en-US" altLang="ko-KR" sz="3600" dirty="0" smtClean="0"/>
-              <a:t>switch</a:t>
+              <a:t>– switch</a:t>
             </a:r>
             <a:endParaRPr lang="ko-KR" altLang="en-US" sz="3600" dirty="0"/>
           </a:p>
@@ -14485,11 +14472,7 @@
             </a:r>
             <a:r>
               <a:rPr lang="ko-KR" altLang="en-US" sz="1600" dirty="0"/>
-              <a:t> 일어나는 동등 비교를 이용하고 싶다면 </a:t>
-            </a:r>
-            <a:r>
-              <a:rPr lang="ko-KR" altLang="en-US" sz="1600" dirty="0"/>
-              <a:t>위</a:t>
+              <a:t> 일어나는 동등 비교를 이용하고 싶다면 위</a:t>
             </a:r>
             <a:r>
               <a:rPr lang="ko-KR" altLang="en-US" sz="1600" dirty="0" smtClean="0"/>
